--- a/day4/ReadAndAnalyse.pptx
+++ b/day4/ReadAndAnalyse.pptx
@@ -11,7 +11,7 @@
     <p:sldId id="258" r:id="rId6"/>
   </p:sldIdLst>
   <p:sldSz cx="9144000" cy="6858000"/>
-  <p:notesSz cx="6858000" cy="9144000"/>
+  <p:notesSz cx="7772400" cy="10058400"/>
 </p:presentation>
 </file>
 
@@ -2764,7 +2764,7 @@
         <p:spPr>
           <a:xfrm>
             <a:off x="457200" y="273600"/>
-            <a:ext cx="8228880" cy="1144440"/>
+            <a:ext cx="8229240" cy="1144800"/>
           </a:xfrm>
           <a:prstGeom prst="rect">
             <a:avLst/>
@@ -2777,18 +2777,12 @@
           <a:p>
             <a:pPr algn="ctr"/>
             <a:r>
-              <a:rPr b="0" lang="en-US" sz="1800" spc="-1" strike="noStrike">
+              <a:rPr b="0" lang="en-US" sz="4400" spc="-1" strike="noStrike">
                 <a:latin typeface="Arial"/>
               </a:rPr>
-              <a:t>Click to edit the </a:t>
+              <a:t>Click to edit the title text format</a:t>
             </a:r>
-            <a:r>
-              <a:rPr b="0" lang="en-US" sz="1800" spc="-1" strike="noStrike">
-                <a:latin typeface="Arial"/>
-              </a:rPr>
-              <a:t>title text format</a:t>
-            </a:r>
-            <a:endParaRPr b="0" lang="en-US" sz="1800" spc="-1" strike="noStrike">
+            <a:endParaRPr b="0" lang="en-US" sz="4400" spc="-1" strike="noStrike">
               <a:latin typeface="Arial"/>
             </a:endParaRPr>
           </a:p>
@@ -2807,18 +2801,18 @@
         <p:spPr>
           <a:xfrm>
             <a:off x="457200" y="1604520"/>
-            <a:ext cx="8228880" cy="3976920"/>
-          </a:xfrm>
-          <a:prstGeom prst="rect">
-            <a:avLst/>
-          </a:prstGeom>
-        </p:spPr>
-        <p:txBody>
-          <a:bodyPr lIns="0" rIns="0" tIns="0" bIns="0">
-            <a:normAutofit/>
-          </a:bodyPr>
-          <a:p>
-            <a:pPr marL="432000" indent="-324000" algn="ctr">
+            <a:ext cx="8229240" cy="3977280"/>
+          </a:xfrm>
+          <a:prstGeom prst="rect">
+            <a:avLst/>
+          </a:prstGeom>
+        </p:spPr>
+        <p:txBody>
+          <a:bodyPr lIns="0" rIns="0" tIns="0" bIns="0">
+            <a:normAutofit/>
+          </a:bodyPr>
+          <a:p>
+            <a:pPr marL="432000" indent="-324000">
               <a:spcBef>
                 <a:spcPts val="1417"/>
               </a:spcBef>
@@ -2830,17 +2824,17 @@
               <a:buChar char=""/>
             </a:pPr>
             <a:r>
-              <a:rPr b="0" lang="en-US" sz="1800" spc="-1" strike="noStrike">
+              <a:rPr b="0" lang="en-US" sz="3200" spc="-1" strike="noStrike">
                 <a:latin typeface="Arial"/>
               </a:rPr>
               <a:t>Click to edit the outline text format</a:t>
             </a:r>
-            <a:endParaRPr b="0" lang="en-US" sz="1800" spc="-1" strike="noStrike">
-              <a:latin typeface="Arial"/>
-            </a:endParaRPr>
-          </a:p>
-          <a:p>
-            <a:pPr lvl="1" marL="864000" indent="-324000" algn="ctr">
+            <a:endParaRPr b="0" lang="en-US" sz="3200" spc="-1" strike="noStrike">
+              <a:latin typeface="Arial"/>
+            </a:endParaRPr>
+          </a:p>
+          <a:p>
+            <a:pPr lvl="1" marL="864000" indent="-324000">
               <a:spcBef>
                 <a:spcPts val="1134"/>
               </a:spcBef>
@@ -2852,17 +2846,17 @@
               <a:buChar char=""/>
             </a:pPr>
             <a:r>
-              <a:rPr b="0" lang="en-US" sz="1800" spc="-1" strike="noStrike">
+              <a:rPr b="0" lang="en-US" sz="2800" spc="-1" strike="noStrike">
                 <a:latin typeface="Arial"/>
               </a:rPr>
               <a:t>Second Outline Level</a:t>
             </a:r>
-            <a:endParaRPr b="0" lang="en-US" sz="1800" spc="-1" strike="noStrike">
-              <a:latin typeface="Arial"/>
-            </a:endParaRPr>
-          </a:p>
-          <a:p>
-            <a:pPr lvl="2" marL="1296000" indent="-288000" algn="ctr">
+            <a:endParaRPr b="0" lang="en-US" sz="2800" spc="-1" strike="noStrike">
+              <a:latin typeface="Arial"/>
+            </a:endParaRPr>
+          </a:p>
+          <a:p>
+            <a:pPr lvl="2" marL="1296000" indent="-288000">
               <a:spcBef>
                 <a:spcPts val="850"/>
               </a:spcBef>
@@ -2874,17 +2868,17 @@
               <a:buChar char=""/>
             </a:pPr>
             <a:r>
-              <a:rPr b="0" lang="en-US" sz="1800" spc="-1" strike="noStrike">
+              <a:rPr b="0" lang="en-US" sz="2400" spc="-1" strike="noStrike">
                 <a:latin typeface="Arial"/>
               </a:rPr>
               <a:t>Third Outline Level</a:t>
             </a:r>
-            <a:endParaRPr b="0" lang="en-US" sz="1800" spc="-1" strike="noStrike">
-              <a:latin typeface="Arial"/>
-            </a:endParaRPr>
-          </a:p>
-          <a:p>
-            <a:pPr lvl="3" marL="1728000" indent="-216000" algn="ctr">
+            <a:endParaRPr b="0" lang="en-US" sz="2400" spc="-1" strike="noStrike">
+              <a:latin typeface="Arial"/>
+            </a:endParaRPr>
+          </a:p>
+          <a:p>
+            <a:pPr lvl="3" marL="1728000" indent="-216000">
               <a:spcBef>
                 <a:spcPts val="567"/>
               </a:spcBef>
@@ -2896,17 +2890,17 @@
               <a:buChar char=""/>
             </a:pPr>
             <a:r>
-              <a:rPr b="0" lang="en-US" sz="1800" spc="-1" strike="noStrike">
+              <a:rPr b="0" lang="en-US" sz="2000" spc="-1" strike="noStrike">
                 <a:latin typeface="Arial"/>
               </a:rPr>
               <a:t>Fourth Outline Level</a:t>
             </a:r>
-            <a:endParaRPr b="0" lang="en-US" sz="1800" spc="-1" strike="noStrike">
-              <a:latin typeface="Arial"/>
-            </a:endParaRPr>
-          </a:p>
-          <a:p>
-            <a:pPr lvl="4" marL="2160000" indent="-216000" algn="ctr">
+            <a:endParaRPr b="0" lang="en-US" sz="2000" spc="-1" strike="noStrike">
+              <a:latin typeface="Arial"/>
+            </a:endParaRPr>
+          </a:p>
+          <a:p>
+            <a:pPr lvl="4" marL="2160000" indent="-216000">
               <a:spcBef>
                 <a:spcPts val="283"/>
               </a:spcBef>
@@ -2918,17 +2912,17 @@
               <a:buChar char=""/>
             </a:pPr>
             <a:r>
-              <a:rPr b="0" lang="en-US" sz="1800" spc="-1" strike="noStrike">
+              <a:rPr b="0" lang="en-US" sz="2000" spc="-1" strike="noStrike">
                 <a:latin typeface="Arial"/>
               </a:rPr>
               <a:t>Fifth Outline Level</a:t>
             </a:r>
-            <a:endParaRPr b="0" lang="en-US" sz="1800" spc="-1" strike="noStrike">
-              <a:latin typeface="Arial"/>
-            </a:endParaRPr>
-          </a:p>
-          <a:p>
-            <a:pPr lvl="5" marL="2592000" indent="-216000" algn="ctr">
+            <a:endParaRPr b="0" lang="en-US" sz="2000" spc="-1" strike="noStrike">
+              <a:latin typeface="Arial"/>
+            </a:endParaRPr>
+          </a:p>
+          <a:p>
+            <a:pPr lvl="5" marL="2592000" indent="-216000">
               <a:spcBef>
                 <a:spcPts val="283"/>
               </a:spcBef>
@@ -2940,17 +2934,17 @@
               <a:buChar char=""/>
             </a:pPr>
             <a:r>
-              <a:rPr b="0" lang="en-US" sz="1800" spc="-1" strike="noStrike">
+              <a:rPr b="0" lang="en-US" sz="2000" spc="-1" strike="noStrike">
                 <a:latin typeface="Arial"/>
               </a:rPr>
               <a:t>Sixth Outline Level</a:t>
             </a:r>
-            <a:endParaRPr b="0" lang="en-US" sz="1800" spc="-1" strike="noStrike">
-              <a:latin typeface="Arial"/>
-            </a:endParaRPr>
-          </a:p>
-          <a:p>
-            <a:pPr lvl="6" marL="3024000" indent="-216000" algn="ctr">
+            <a:endParaRPr b="0" lang="en-US" sz="2000" spc="-1" strike="noStrike">
+              <a:latin typeface="Arial"/>
+            </a:endParaRPr>
+          </a:p>
+          <a:p>
+            <a:pPr lvl="6" marL="3024000" indent="-216000">
               <a:spcBef>
                 <a:spcPts val="283"/>
               </a:spcBef>
@@ -2962,12 +2956,12 @@
               <a:buChar char=""/>
             </a:pPr>
             <a:r>
-              <a:rPr b="0" lang="en-US" sz="1800" spc="-1" strike="noStrike">
+              <a:rPr b="0" lang="en-US" sz="2000" spc="-1" strike="noStrike">
                 <a:latin typeface="Arial"/>
               </a:rPr>
               <a:t>Seventh Outline Level</a:t>
             </a:r>
-            <a:endParaRPr b="0" lang="en-US" sz="1800" spc="-1" strike="noStrike">
+            <a:endParaRPr b="0" lang="en-US" sz="2000" spc="-1" strike="noStrike">
               <a:latin typeface="Arial"/>
             </a:endParaRPr>
           </a:p>
@@ -3046,97 +3040,7 @@
               <a:rPr b="0" lang="en-US" sz="4400" spc="-1" strike="noStrike">
                 <a:latin typeface="Arial"/>
               </a:rPr>
-              <a:t>Cl</a:t>
-            </a:r>
-            <a:r>
-              <a:rPr b="0" lang="en-US" sz="4400" spc="-1" strike="noStrike">
-                <a:latin typeface="Arial"/>
-              </a:rPr>
-              <a:t>ic</a:t>
-            </a:r>
-            <a:r>
-              <a:rPr b="0" lang="en-US" sz="4400" spc="-1" strike="noStrike">
-                <a:latin typeface="Arial"/>
-              </a:rPr>
-              <a:t>k </a:t>
-            </a:r>
-            <a:r>
-              <a:rPr b="0" lang="en-US" sz="4400" spc="-1" strike="noStrike">
-                <a:latin typeface="Arial"/>
-              </a:rPr>
-              <a:t>to </a:t>
-            </a:r>
-            <a:r>
-              <a:rPr b="0" lang="en-US" sz="4400" spc="-1" strike="noStrike">
-                <a:latin typeface="Arial"/>
-              </a:rPr>
-              <a:t>e</a:t>
-            </a:r>
-            <a:r>
-              <a:rPr b="0" lang="en-US" sz="4400" spc="-1" strike="noStrike">
-                <a:latin typeface="Arial"/>
-              </a:rPr>
-              <a:t>dit </a:t>
-            </a:r>
-            <a:r>
-              <a:rPr b="0" lang="en-US" sz="4400" spc="-1" strike="noStrike">
-                <a:latin typeface="Arial"/>
-              </a:rPr>
-              <a:t>th</a:t>
-            </a:r>
-            <a:r>
-              <a:rPr b="0" lang="en-US" sz="4400" spc="-1" strike="noStrike">
-                <a:latin typeface="Arial"/>
-              </a:rPr>
-              <a:t>e </a:t>
-            </a:r>
-            <a:r>
-              <a:rPr b="0" lang="en-US" sz="4400" spc="-1" strike="noStrike">
-                <a:latin typeface="Arial"/>
-              </a:rPr>
-              <a:t>titl</a:t>
-            </a:r>
-            <a:r>
-              <a:rPr b="0" lang="en-US" sz="4400" spc="-1" strike="noStrike">
-                <a:latin typeface="Arial"/>
-              </a:rPr>
-              <a:t>e </a:t>
-            </a:r>
-            <a:r>
-              <a:rPr b="0" lang="en-US" sz="4400" spc="-1" strike="noStrike">
-                <a:latin typeface="Arial"/>
-              </a:rPr>
-              <a:t>te</a:t>
-            </a:r>
-            <a:r>
-              <a:rPr b="0" lang="en-US" sz="4400" spc="-1" strike="noStrike">
-                <a:latin typeface="Arial"/>
-              </a:rPr>
-              <a:t>xt </a:t>
-            </a:r>
-            <a:r>
-              <a:rPr b="0" lang="en-US" sz="4400" spc="-1" strike="noStrike">
-                <a:latin typeface="Arial"/>
-              </a:rPr>
-              <a:t>fo</a:t>
-            </a:r>
-            <a:r>
-              <a:rPr b="0" lang="en-US" sz="4400" spc="-1" strike="noStrike">
-                <a:latin typeface="Arial"/>
-              </a:rPr>
-              <a:t>r</a:t>
-            </a:r>
-            <a:r>
-              <a:rPr b="0" lang="en-US" sz="4400" spc="-1" strike="noStrike">
-                <a:latin typeface="Arial"/>
-              </a:rPr>
-              <a:t>m</a:t>
-            </a:r>
-            <a:r>
-              <a:rPr b="0" lang="en-US" sz="4400" spc="-1" strike="noStrike">
-                <a:latin typeface="Arial"/>
-              </a:rPr>
-              <a:t>at</a:t>
+              <a:t>Click to edit the title text format</a:t>
             </a:r>
             <a:endParaRPr b="0" lang="en-US" sz="4400" spc="-1" strike="noStrike">
               <a:latin typeface="Arial"/>
@@ -3369,7 +3273,7 @@
         <p:spPr>
           <a:xfrm>
             <a:off x="611640" y="2441520"/>
-            <a:ext cx="7771320" cy="1468800"/>
+            <a:ext cx="7770960" cy="1468440"/>
           </a:xfrm>
           <a:prstGeom prst="rect">
             <a:avLst/>
@@ -3403,7 +3307,7 @@
                 <a:latin typeface="Claire Hand"/>
                 <a:ea typeface="DejaVu Sans"/>
               </a:rPr>
-              <a:t>Introduction to Pyspark</a:t>
+              <a:t>Pyspark Reading DataSet</a:t>
             </a:r>
             <a:endParaRPr b="0" lang="en-US" sz="4000" spc="-1" strike="noStrike">
               <a:latin typeface="Arial"/>
@@ -3420,7 +3324,7 @@
         <p:spPr>
           <a:xfrm>
             <a:off x="155520" y="-144360"/>
-            <a:ext cx="303840" cy="303840"/>
+            <a:ext cx="303480" cy="303480"/>
           </a:xfrm>
           <a:prstGeom prst="rect">
             <a:avLst/>
@@ -3450,7 +3354,7 @@
         <p:spPr>
           <a:xfrm>
             <a:off x="155520" y="160200"/>
-            <a:ext cx="4775400" cy="1852200"/>
+            <a:ext cx="4775040" cy="1851840"/>
           </a:xfrm>
           <a:prstGeom prst="rect">
             <a:avLst/>
@@ -3462,14 +3366,14 @@
       </p:pic>
       <p:sp>
         <p:nvSpPr>
-          <p:cNvPr id="79" name="TextShape 3"/>
-          <p:cNvSpPr txBox="1"/>
+          <p:cNvPr id="79" name="CustomShape 3"/>
+          <p:cNvSpPr/>
           <p:nvPr/>
         </p:nvSpPr>
         <p:spPr>
           <a:xfrm>
             <a:off x="2468880" y="3910320"/>
-            <a:ext cx="2468880" cy="346320"/>
+            <a:ext cx="2468520" cy="345960"/>
           </a:xfrm>
           <a:prstGeom prst="rect">
             <a:avLst/>
@@ -3479,64 +3383,27 @@
             <a:noFill/>
           </a:ln>
         </p:spPr>
+        <p:style>
+          <a:lnRef idx="0"/>
+          <a:fillRef idx="0"/>
+          <a:effectRef idx="0"/>
+          <a:fontRef idx="minor"/>
+        </p:style>
         <p:txBody>
           <a:bodyPr lIns="90000" rIns="90000" tIns="45000" bIns="45000">
             <a:noAutofit/>
           </a:bodyPr>
           <a:p>
+            <a:pPr>
+              <a:lnSpc>
+                <a:spcPct val="100000"/>
+              </a:lnSpc>
+            </a:pPr>
             <a:r>
               <a:rPr b="0" lang="en-US" sz="1800" spc="-1" strike="noStrike">
                 <a:latin typeface="Arial"/>
               </a:rPr>
-              <a:t>R</a:t>
-            </a:r>
-            <a:r>
-              <a:rPr b="0" lang="en-US" sz="1800" spc="-1" strike="noStrike">
-                <a:latin typeface="Arial"/>
-              </a:rPr>
-              <a:t>a</a:t>
-            </a:r>
-            <a:r>
-              <a:rPr b="0" lang="en-US" sz="1800" spc="-1" strike="noStrike">
-                <a:latin typeface="Arial"/>
-              </a:rPr>
-              <a:t>m</a:t>
-            </a:r>
-            <a:r>
-              <a:rPr b="0" lang="en-US" sz="1800" spc="-1" strike="noStrike">
-                <a:latin typeface="Arial"/>
-              </a:rPr>
-              <a:t>a </a:t>
-            </a:r>
-            <a:r>
-              <a:rPr b="0" lang="en-US" sz="1800" spc="-1" strike="noStrike">
-                <a:latin typeface="Arial"/>
-              </a:rPr>
-              <a:t>S</a:t>
-            </a:r>
-            <a:r>
-              <a:rPr b="0" lang="en-US" sz="1800" spc="-1" strike="noStrike">
-                <a:latin typeface="Arial"/>
-              </a:rPr>
-              <a:t>h</a:t>
-            </a:r>
-            <a:r>
-              <a:rPr b="0" lang="en-US" sz="1800" spc="-1" strike="noStrike">
-                <a:latin typeface="Arial"/>
-              </a:rPr>
-              <a:t>a</a:t>
-            </a:r>
-            <a:r>
-              <a:rPr b="0" lang="en-US" sz="1800" spc="-1" strike="noStrike">
-                <a:latin typeface="Arial"/>
-              </a:rPr>
-              <a:t>nk</a:t>
-            </a:r>
-            <a:r>
-              <a:rPr b="0" lang="en-US" sz="1800" spc="-1" strike="noStrike">
-                <a:latin typeface="Arial"/>
-              </a:rPr>
-              <a:t>er</a:t>
+              <a:t>Rama Shanker</a:t>
             </a:r>
             <a:endParaRPr b="0" lang="en-US" sz="1800" spc="-1" strike="noStrike">
               <a:latin typeface="Arial"/>
@@ -3587,7 +3454,7 @@
         <p:spPr>
           <a:xfrm>
             <a:off x="0" y="2207160"/>
-            <a:ext cx="5111640" cy="4649760"/>
+            <a:ext cx="5111280" cy="4649400"/>
           </a:xfrm>
           <a:prstGeom prst="rect">
             <a:avLst/>
